--- a/pptx_gen/ppt_template.pptx
+++ b/pptx_gen/ppt_template.pptx
@@ -198,7 +198,7 @@
           <a:p>
             <a:fld id="{1359EEA5-69B4-4CD2-8D65-7E6C4A14CB77}" type="datetimeFigureOut">
               <a:rPr lang="ko-KR" altLang="en-US" smtClean="0"/>
-              <a:t>2025-05-16</a:t>
+              <a:t>2025-05-17</a:t>
             </a:fld>
             <a:endParaRPr lang="ko-KR" altLang="en-US"/>
           </a:p>
@@ -754,7 +754,7 @@
           <a:p>
             <a:fld id="{14CDC044-9AF0-4B6B-9466-84361074D1D2}" type="datetimeFigureOut">
               <a:rPr lang="ko-KR" altLang="en-US" smtClean="0"/>
-              <a:t>2025-05-16</a:t>
+              <a:t>2025-05-17</a:t>
             </a:fld>
             <a:endParaRPr lang="ko-KR" altLang="en-US"/>
           </a:p>
@@ -924,7 +924,7 @@
           <a:p>
             <a:fld id="{14CDC044-9AF0-4B6B-9466-84361074D1D2}" type="datetimeFigureOut">
               <a:rPr lang="ko-KR" altLang="en-US" smtClean="0"/>
-              <a:t>2025-05-16</a:t>
+              <a:t>2025-05-17</a:t>
             </a:fld>
             <a:endParaRPr lang="ko-KR" altLang="en-US"/>
           </a:p>
@@ -1104,7 +1104,7 @@
           <a:p>
             <a:fld id="{14CDC044-9AF0-4B6B-9466-84361074D1D2}" type="datetimeFigureOut">
               <a:rPr lang="ko-KR" altLang="en-US" smtClean="0"/>
-              <a:t>2025-05-16</a:t>
+              <a:t>2025-05-17</a:t>
             </a:fld>
             <a:endParaRPr lang="ko-KR" altLang="en-US"/>
           </a:p>
@@ -1274,7 +1274,7 @@
           <a:p>
             <a:fld id="{14CDC044-9AF0-4B6B-9466-84361074D1D2}" type="datetimeFigureOut">
               <a:rPr lang="ko-KR" altLang="en-US" smtClean="0"/>
-              <a:t>2025-05-16</a:t>
+              <a:t>2025-05-17</a:t>
             </a:fld>
             <a:endParaRPr lang="ko-KR" altLang="en-US"/>
           </a:p>
@@ -1520,7 +1520,7 @@
           <a:p>
             <a:fld id="{14CDC044-9AF0-4B6B-9466-84361074D1D2}" type="datetimeFigureOut">
               <a:rPr lang="ko-KR" altLang="en-US" smtClean="0"/>
-              <a:t>2025-05-16</a:t>
+              <a:t>2025-05-17</a:t>
             </a:fld>
             <a:endParaRPr lang="ko-KR" altLang="en-US"/>
           </a:p>
@@ -1752,7 +1752,7 @@
           <a:p>
             <a:fld id="{14CDC044-9AF0-4B6B-9466-84361074D1D2}" type="datetimeFigureOut">
               <a:rPr lang="ko-KR" altLang="en-US" smtClean="0"/>
-              <a:t>2025-05-16</a:t>
+              <a:t>2025-05-17</a:t>
             </a:fld>
             <a:endParaRPr lang="ko-KR" altLang="en-US"/>
           </a:p>
@@ -2119,7 +2119,7 @@
           <a:p>
             <a:fld id="{14CDC044-9AF0-4B6B-9466-84361074D1D2}" type="datetimeFigureOut">
               <a:rPr lang="ko-KR" altLang="en-US" smtClean="0"/>
-              <a:t>2025-05-16</a:t>
+              <a:t>2025-05-17</a:t>
             </a:fld>
             <a:endParaRPr lang="ko-KR" altLang="en-US"/>
           </a:p>
@@ -2237,7 +2237,7 @@
           <a:p>
             <a:fld id="{14CDC044-9AF0-4B6B-9466-84361074D1D2}" type="datetimeFigureOut">
               <a:rPr lang="ko-KR" altLang="en-US" smtClean="0"/>
-              <a:t>2025-05-16</a:t>
+              <a:t>2025-05-17</a:t>
             </a:fld>
             <a:endParaRPr lang="ko-KR" altLang="en-US"/>
           </a:p>
@@ -2332,7 +2332,7 @@
           <a:p>
             <a:fld id="{14CDC044-9AF0-4B6B-9466-84361074D1D2}" type="datetimeFigureOut">
               <a:rPr lang="ko-KR" altLang="en-US" smtClean="0"/>
-              <a:t>2025-05-16</a:t>
+              <a:t>2025-05-17</a:t>
             </a:fld>
             <a:endParaRPr lang="ko-KR" altLang="en-US"/>
           </a:p>
@@ -2609,7 +2609,7 @@
           <a:p>
             <a:fld id="{14CDC044-9AF0-4B6B-9466-84361074D1D2}" type="datetimeFigureOut">
               <a:rPr lang="ko-KR" altLang="en-US" smtClean="0"/>
-              <a:t>2025-05-16</a:t>
+              <a:t>2025-05-17</a:t>
             </a:fld>
             <a:endParaRPr lang="ko-KR" altLang="en-US"/>
           </a:p>
@@ -2866,7 +2866,7 @@
           <a:p>
             <a:fld id="{14CDC044-9AF0-4B6B-9466-84361074D1D2}" type="datetimeFigureOut">
               <a:rPr lang="ko-KR" altLang="en-US" smtClean="0"/>
-              <a:t>2025-05-16</a:t>
+              <a:t>2025-05-17</a:t>
             </a:fld>
             <a:endParaRPr lang="ko-KR" altLang="en-US"/>
           </a:p>
@@ -3079,7 +3079,7 @@
           <a:p>
             <a:fld id="{14CDC044-9AF0-4B6B-9466-84361074D1D2}" type="datetimeFigureOut">
               <a:rPr lang="ko-KR" altLang="en-US" smtClean="0"/>
-              <a:t>2025-05-16</a:t>
+              <a:t>2025-05-17</a:t>
             </a:fld>
             <a:endParaRPr lang="ko-KR" altLang="en-US"/>
           </a:p>
@@ -3505,7 +3505,7 @@
           <p:nvPr>
             <p:extLst>
               <p:ext uri="{D42A27DB-BD31-4B8C-83A1-F6EECF244321}">
-                <p14:modId xmlns:p14="http://schemas.microsoft.com/office/powerpoint/2010/main" val="947255624"/>
+                <p14:modId xmlns:p14="http://schemas.microsoft.com/office/powerpoint/2010/main" val="2030885089"/>
               </p:ext>
             </p:extLst>
           </p:nvPr>
@@ -3547,14 +3547,14 @@
                         <a:t>{{</a:t>
                       </a:r>
                       <a:r>
-                        <a:rPr lang="en-US" altLang="ko-KR" sz="2000" b="1" dirty="0" err="1">
+                        <a:rPr lang="ko-KR" altLang="en-US" sz="2000" b="1" dirty="0">
                           <a:solidFill>
                             <a:schemeClr val="tx1"/>
                           </a:solidFill>
                           <a:latin typeface="나눔고딕" panose="020D0604000000000000" pitchFamily="50" charset="-127"/>
                           <a:ea typeface="나눔고딕" panose="020D0604000000000000" pitchFamily="50" charset="-127"/>
                         </a:rPr>
-                        <a:t>client_name</a:t>
+                        <a:t>고객명</a:t>
                       </a:r>
                       <a:r>
                         <a:rPr lang="en-US" altLang="ko-KR" sz="2000" b="1" dirty="0">
@@ -3625,12 +3625,12 @@
               <a:t>{{</a:t>
             </a:r>
             <a:r>
-              <a:rPr lang="en-US" altLang="ko-KR" sz="2000" b="1" dirty="0" err="1">
+              <a:rPr lang="ko-KR" altLang="en-US" sz="2000" b="1" dirty="0">
                 <a:latin typeface="나눔고딕" panose="020D0604000000000000" pitchFamily="50" charset="-127"/>
                 <a:ea typeface="나눔고딕" panose="020D0604000000000000" pitchFamily="50" charset="-127"/>
                 <a:cs typeface="GenEi M Gothic v2 Black" panose="020B0803020203020204" pitchFamily="34" charset="-128"/>
               </a:rPr>
-              <a:t>company_name</a:t>
+              <a:t>회사명</a:t>
             </a:r>
             <a:r>
               <a:rPr lang="en-US" altLang="ko-KR" sz="2000" b="1" dirty="0">
@@ -3689,7 +3689,7 @@
               <a:t>{{</a:t>
             </a:r>
             <a:r>
-              <a:rPr lang="en-US" altLang="ko-KR" sz="4000" b="1" dirty="0" err="1">
+              <a:rPr lang="ko-KR" altLang="en-US" sz="4000" b="1" dirty="0" err="1">
                 <a:solidFill>
                   <a:srgbClr val="B94C6A"/>
                 </a:solidFill>
@@ -3697,7 +3697,7 @@
                 <a:ea typeface="나눔고딕" panose="020D0604000000000000" pitchFamily="50" charset="-127"/>
                 <a:cs typeface="GenEi M Gothic v2 Black" panose="020B0803020203020204" pitchFamily="34" charset="-128"/>
               </a:rPr>
-              <a:t>document_title</a:t>
+              <a:t>문서명</a:t>
             </a:r>
             <a:r>
               <a:rPr lang="en-US" altLang="ko-KR" sz="4000" b="1" dirty="0">
@@ -4111,7 +4111,7 @@
           <p:nvPr>
             <p:extLst>
               <p:ext uri="{D42A27DB-BD31-4B8C-83A1-F6EECF244321}">
-                <p14:modId xmlns:p14="http://schemas.microsoft.com/office/powerpoint/2010/main" val="512039655"/>
+                <p14:modId xmlns:p14="http://schemas.microsoft.com/office/powerpoint/2010/main" val="3410055710"/>
               </p:ext>
             </p:extLst>
           </p:nvPr>
@@ -4697,11 +4697,11 @@
                         <a:t>입주가능일</a:t>
                       </a:r>
                       <a:r>
-                        <a:rPr lang="en-US" altLang="ko-KR" sz="1100" b="0" dirty="0">
-                          <a:latin typeface="나눔고딕" panose="020D0604000000000000" pitchFamily="50" charset="-127"/>
-                          <a:ea typeface="나눔고딕" panose="020D0604000000000000" pitchFamily="50" charset="-127"/>
-                        </a:rPr>
-                        <a:t>}</a:t>
+                        <a:rPr lang="en-US" altLang="ko-KR" sz="1100" b="0">
+                          <a:latin typeface="나눔고딕" panose="020D0604000000000000" pitchFamily="50" charset="-127"/>
+                          <a:ea typeface="나눔고딕" panose="020D0604000000000000" pitchFamily="50" charset="-127"/>
+                        </a:rPr>
+                        <a:t>}}</a:t>
                       </a:r>
                       <a:endParaRPr lang="ko-KR" altLang="en-US" sz="1100" b="0" dirty="0">
                         <a:latin typeface="나눔고딕" panose="020D0604000000000000" pitchFamily="50" charset="-127"/>

--- a/pptx_gen/ppt_template.pptx
+++ b/pptx_gen/ppt_template.pptx
@@ -198,7 +198,7 @@
           <a:p>
             <a:fld id="{1359EEA5-69B4-4CD2-8D65-7E6C4A14CB77}" type="datetimeFigureOut">
               <a:rPr lang="ko-KR" altLang="en-US" smtClean="0"/>
-              <a:t>2025-05-17</a:t>
+              <a:t>2025-05-18</a:t>
             </a:fld>
             <a:endParaRPr lang="ko-KR" altLang="en-US"/>
           </a:p>
@@ -754,7 +754,7 @@
           <a:p>
             <a:fld id="{14CDC044-9AF0-4B6B-9466-84361074D1D2}" type="datetimeFigureOut">
               <a:rPr lang="ko-KR" altLang="en-US" smtClean="0"/>
-              <a:t>2025-05-17</a:t>
+              <a:t>2025-05-18</a:t>
             </a:fld>
             <a:endParaRPr lang="ko-KR" altLang="en-US"/>
           </a:p>
@@ -924,7 +924,7 @@
           <a:p>
             <a:fld id="{14CDC044-9AF0-4B6B-9466-84361074D1D2}" type="datetimeFigureOut">
               <a:rPr lang="ko-KR" altLang="en-US" smtClean="0"/>
-              <a:t>2025-05-17</a:t>
+              <a:t>2025-05-18</a:t>
             </a:fld>
             <a:endParaRPr lang="ko-KR" altLang="en-US"/>
           </a:p>
@@ -1104,7 +1104,7 @@
           <a:p>
             <a:fld id="{14CDC044-9AF0-4B6B-9466-84361074D1D2}" type="datetimeFigureOut">
               <a:rPr lang="ko-KR" altLang="en-US" smtClean="0"/>
-              <a:t>2025-05-17</a:t>
+              <a:t>2025-05-18</a:t>
             </a:fld>
             <a:endParaRPr lang="ko-KR" altLang="en-US"/>
           </a:p>
@@ -1274,7 +1274,7 @@
           <a:p>
             <a:fld id="{14CDC044-9AF0-4B6B-9466-84361074D1D2}" type="datetimeFigureOut">
               <a:rPr lang="ko-KR" altLang="en-US" smtClean="0"/>
-              <a:t>2025-05-17</a:t>
+              <a:t>2025-05-18</a:t>
             </a:fld>
             <a:endParaRPr lang="ko-KR" altLang="en-US"/>
           </a:p>
@@ -1520,7 +1520,7 @@
           <a:p>
             <a:fld id="{14CDC044-9AF0-4B6B-9466-84361074D1D2}" type="datetimeFigureOut">
               <a:rPr lang="ko-KR" altLang="en-US" smtClean="0"/>
-              <a:t>2025-05-17</a:t>
+              <a:t>2025-05-18</a:t>
             </a:fld>
             <a:endParaRPr lang="ko-KR" altLang="en-US"/>
           </a:p>
@@ -1752,7 +1752,7 @@
           <a:p>
             <a:fld id="{14CDC044-9AF0-4B6B-9466-84361074D1D2}" type="datetimeFigureOut">
               <a:rPr lang="ko-KR" altLang="en-US" smtClean="0"/>
-              <a:t>2025-05-17</a:t>
+              <a:t>2025-05-18</a:t>
             </a:fld>
             <a:endParaRPr lang="ko-KR" altLang="en-US"/>
           </a:p>
@@ -2119,7 +2119,7 @@
           <a:p>
             <a:fld id="{14CDC044-9AF0-4B6B-9466-84361074D1D2}" type="datetimeFigureOut">
               <a:rPr lang="ko-KR" altLang="en-US" smtClean="0"/>
-              <a:t>2025-05-17</a:t>
+              <a:t>2025-05-18</a:t>
             </a:fld>
             <a:endParaRPr lang="ko-KR" altLang="en-US"/>
           </a:p>
@@ -2237,7 +2237,7 @@
           <a:p>
             <a:fld id="{14CDC044-9AF0-4B6B-9466-84361074D1D2}" type="datetimeFigureOut">
               <a:rPr lang="ko-KR" altLang="en-US" smtClean="0"/>
-              <a:t>2025-05-17</a:t>
+              <a:t>2025-05-18</a:t>
             </a:fld>
             <a:endParaRPr lang="ko-KR" altLang="en-US"/>
           </a:p>
@@ -2332,7 +2332,7 @@
           <a:p>
             <a:fld id="{14CDC044-9AF0-4B6B-9466-84361074D1D2}" type="datetimeFigureOut">
               <a:rPr lang="ko-KR" altLang="en-US" smtClean="0"/>
-              <a:t>2025-05-17</a:t>
+              <a:t>2025-05-18</a:t>
             </a:fld>
             <a:endParaRPr lang="ko-KR" altLang="en-US"/>
           </a:p>
@@ -2609,7 +2609,7 @@
           <a:p>
             <a:fld id="{14CDC044-9AF0-4B6B-9466-84361074D1D2}" type="datetimeFigureOut">
               <a:rPr lang="ko-KR" altLang="en-US" smtClean="0"/>
-              <a:t>2025-05-17</a:t>
+              <a:t>2025-05-18</a:t>
             </a:fld>
             <a:endParaRPr lang="ko-KR" altLang="en-US"/>
           </a:p>
@@ -2866,7 +2866,7 @@
           <a:p>
             <a:fld id="{14CDC044-9AF0-4B6B-9466-84361074D1D2}" type="datetimeFigureOut">
               <a:rPr lang="ko-KR" altLang="en-US" smtClean="0"/>
-              <a:t>2025-05-17</a:t>
+              <a:t>2025-05-18</a:t>
             </a:fld>
             <a:endParaRPr lang="ko-KR" altLang="en-US"/>
           </a:p>
@@ -3079,7 +3079,7 @@
           <a:p>
             <a:fld id="{14CDC044-9AF0-4B6B-9466-84361074D1D2}" type="datetimeFigureOut">
               <a:rPr lang="ko-KR" altLang="en-US" smtClean="0"/>
-              <a:t>2025-05-17</a:t>
+              <a:t>2025-05-18</a:t>
             </a:fld>
             <a:endParaRPr lang="ko-KR" altLang="en-US"/>
           </a:p>
@@ -7282,124 +7282,6 @@
           </a:p>
         </p:txBody>
       </p:sp>
-      <p:graphicFrame>
-        <p:nvGraphicFramePr>
-          <p:cNvPr id="22" name="tbl_image_section">
-            <a:extLst>
-              <a:ext uri="{FF2B5EF4-FFF2-40B4-BE49-F238E27FC236}">
-                <a16:creationId xmlns:a16="http://schemas.microsoft.com/office/drawing/2014/main" id="{1D3CBB54-20BB-45A9-ADDE-F5C11EDF3608}"/>
-              </a:ext>
-            </a:extLst>
-          </p:cNvPr>
-          <p:cNvGraphicFramePr>
-            <a:graphicFrameLocks noGrp="1"/>
-          </p:cNvGraphicFramePr>
-          <p:nvPr>
-            <p:extLst>
-              <p:ext uri="{D42A27DB-BD31-4B8C-83A1-F6EECF244321}">
-                <p14:modId xmlns:p14="http://schemas.microsoft.com/office/powerpoint/2010/main" val="4124464024"/>
-              </p:ext>
-            </p:extLst>
-          </p:nvPr>
-        </p:nvGraphicFramePr>
-        <p:xfrm>
-          <a:off x="167408" y="655811"/>
-          <a:ext cx="9571182" cy="2516049"/>
-        </p:xfrm>
-        <a:graphic>
-          <a:graphicData uri="http://schemas.openxmlformats.org/drawingml/2006/table">
-            <a:tbl>
-              <a:tblPr firstRow="1" bandRow="1">
-                <a:tableStyleId>{5940675A-B579-460E-94D1-54222C63F5DA}</a:tableStyleId>
-              </a:tblPr>
-              <a:tblGrid>
-                <a:gridCol w="3190394">
-                  <a:extLst>
-                    <a:ext uri="{9D8B030D-6E8A-4147-A177-3AD203B41FA5}">
-                      <a16:colId xmlns:a16="http://schemas.microsoft.com/office/drawing/2014/main" val="2447635729"/>
-                    </a:ext>
-                  </a:extLst>
-                </a:gridCol>
-                <a:gridCol w="3190394">
-                  <a:extLst>
-                    <a:ext uri="{9D8B030D-6E8A-4147-A177-3AD203B41FA5}">
-                      <a16:colId xmlns:a16="http://schemas.microsoft.com/office/drawing/2014/main" val="228143999"/>
-                    </a:ext>
-                  </a:extLst>
-                </a:gridCol>
-                <a:gridCol w="3190394">
-                  <a:extLst>
-                    <a:ext uri="{9D8B030D-6E8A-4147-A177-3AD203B41FA5}">
-                      <a16:colId xmlns:a16="http://schemas.microsoft.com/office/drawing/2014/main" val="492703267"/>
-                    </a:ext>
-                  </a:extLst>
-                </a:gridCol>
-              </a:tblGrid>
-              <a:tr h="2516049">
-                <a:tc>
-                  <a:txBody>
-                    <a:bodyPr/>
-                    <a:lstStyle/>
-                    <a:p>
-                      <a:pPr algn="ctr" latinLnBrk="1"/>
-                      <a:endParaRPr lang="ko-KR" altLang="en-US" dirty="0"/>
-                    </a:p>
-                  </a:txBody>
-                  <a:tcPr anchor="ctr">
-                    <a:blipFill>
-                      <a:blip r:embed="rId4"/>
-                      <a:stretch>
-                        <a:fillRect/>
-                      </a:stretch>
-                    </a:blipFill>
-                  </a:tcPr>
-                </a:tc>
-                <a:tc>
-                  <a:txBody>
-                    <a:bodyPr/>
-                    <a:lstStyle/>
-                    <a:p>
-                      <a:pPr algn="ctr" latinLnBrk="1"/>
-                      <a:endParaRPr lang="ko-KR" altLang="en-US" dirty="0"/>
-                    </a:p>
-                  </a:txBody>
-                  <a:tcPr anchor="ctr">
-                    <a:blipFill>
-                      <a:blip r:embed="rId5"/>
-                      <a:stretch>
-                        <a:fillRect/>
-                      </a:stretch>
-                    </a:blipFill>
-                  </a:tcPr>
-                </a:tc>
-                <a:tc>
-                  <a:txBody>
-                    <a:bodyPr/>
-                    <a:lstStyle/>
-                    <a:p>
-                      <a:pPr algn="ctr" latinLnBrk="1"/>
-                      <a:endParaRPr lang="ko-KR" altLang="en-US" dirty="0"/>
-                    </a:p>
-                  </a:txBody>
-                  <a:tcPr anchor="ctr">
-                    <a:blipFill>
-                      <a:blip r:embed="rId6"/>
-                      <a:stretch>
-                        <a:fillRect/>
-                      </a:stretch>
-                    </a:blipFill>
-                  </a:tcPr>
-                </a:tc>
-                <a:extLst>
-                  <a:ext uri="{0D108BD9-81ED-4DB2-BD59-A6C34878D82A}">
-                    <a16:rowId xmlns:a16="http://schemas.microsoft.com/office/drawing/2014/main" val="1292317349"/>
-                  </a:ext>
-                </a:extLst>
-              </a:tr>
-            </a:tbl>
-          </a:graphicData>
-        </a:graphic>
-      </p:graphicFrame>
       <p:sp>
         <p:nvSpPr>
           <p:cNvPr id="7" name="img_complex_mapimg">
@@ -7556,7 +7438,7 @@
           <p:nvPr/>
         </p:nvPicPr>
         <p:blipFill>
-          <a:blip r:embed="rId7">
+          <a:blip r:embed="rId4">
             <a:extLst>
               <a:ext uri="{28A0092B-C50C-407E-A947-70E740481C1C}">
                 <a14:useLocalDpi xmlns:a14="http://schemas.microsoft.com/office/drawing/2010/main" val="0"/>
@@ -8398,15 +8280,12 @@
 </file>
 
 <file path=customXml/item1.xml><?xml version="1.0" encoding="utf-8"?>
-<p:properties xmlns:p="http://schemas.microsoft.com/office/2006/metadata/properties" xmlns:xsi="http://www.w3.org/2001/XMLSchema-instance" xmlns:pc="http://schemas.microsoft.com/office/infopath/2007/PartnerControls">
-  <documentManagement>
-    <TaxCatchAll xmlns="0e8540c4-eec0-4244-a6df-93dd1cd5a641" xsi:nil="true"/>
-    <lcf76f155ced4ddcb4097134ff3c332f xmlns="31f5680b-7544-4b69-aa52-3e9823f6332f">
-      <Terms xmlns="http://schemas.microsoft.com/office/infopath/2007/PartnerControls"/>
-    </lcf76f155ced4ddcb4097134ff3c332f>
-    <MIYAZAKITETSUJI xmlns="31f5680b-7544-4b69-aa52-3e9823f6332f" xsi:nil="true"/>
-  </documentManagement>
-</p:properties>
+<?mso-contentType ?>
+<FormTemplates xmlns="http://schemas.microsoft.com/sharepoint/v3/contenttype/forms">
+  <Display>DocumentLibraryForm</Display>
+  <Edit>DocumentLibraryForm</Edit>
+  <New>DocumentLibraryForm</New>
+</FormTemplates>
 </file>
 
 <file path=customXml/item2.xml><?xml version="1.0" encoding="utf-8"?>
@@ -8659,27 +8538,21 @@
 </file>
 
 <file path=customXml/item3.xml><?xml version="1.0" encoding="utf-8"?>
-<?mso-contentType ?>
-<FormTemplates xmlns="http://schemas.microsoft.com/sharepoint/v3/contenttype/forms">
-  <Display>DocumentLibraryForm</Display>
-  <Edit>DocumentLibraryForm</Edit>
-  <New>DocumentLibraryForm</New>
-</FormTemplates>
+<p:properties xmlns:p="http://schemas.microsoft.com/office/2006/metadata/properties" xmlns:xsi="http://www.w3.org/2001/XMLSchema-instance" xmlns:pc="http://schemas.microsoft.com/office/infopath/2007/PartnerControls">
+  <documentManagement>
+    <TaxCatchAll xmlns="0e8540c4-eec0-4244-a6df-93dd1cd5a641" xsi:nil="true"/>
+    <lcf76f155ced4ddcb4097134ff3c332f xmlns="31f5680b-7544-4b69-aa52-3e9823f6332f">
+      <Terms xmlns="http://schemas.microsoft.com/office/infopath/2007/PartnerControls"/>
+    </lcf76f155ced4ddcb4097134ff3c332f>
+    <MIYAZAKITETSUJI xmlns="31f5680b-7544-4b69-aa52-3e9823f6332f" xsi:nil="true"/>
+  </documentManagement>
+</p:properties>
 </file>
 
 <file path=customXml/itemProps1.xml><?xml version="1.0" encoding="utf-8"?>
-<ds:datastoreItem xmlns:ds="http://schemas.openxmlformats.org/officeDocument/2006/customXml" ds:itemID="{BF0908AA-09ED-4B3A-B42B-EF25F670C1F6}">
+<ds:datastoreItem xmlns:ds="http://schemas.openxmlformats.org/officeDocument/2006/customXml" ds:itemID="{7E76DF71-DD71-4BE0-B5CE-276C454B1C2B}">
   <ds:schemaRefs>
-    <ds:schemaRef ds:uri="http://schemas.openxmlformats.org/package/2006/metadata/core-properties"/>
-    <ds:schemaRef ds:uri="http://schemas.microsoft.com/office/2006/metadata/properties"/>
-    <ds:schemaRef ds:uri="http://purl.org/dc/elements/1.1/"/>
-    <ds:schemaRef ds:uri="http://www.w3.org/XML/1998/namespace"/>
-    <ds:schemaRef ds:uri="0e8540c4-eec0-4244-a6df-93dd1cd5a641"/>
-    <ds:schemaRef ds:uri="http://schemas.microsoft.com/office/2006/documentManagement/types"/>
-    <ds:schemaRef ds:uri="http://purl.org/dc/terms/"/>
-    <ds:schemaRef ds:uri="http://purl.org/dc/dcmitype/"/>
-    <ds:schemaRef ds:uri="http://schemas.microsoft.com/office/infopath/2007/PartnerControls"/>
-    <ds:schemaRef ds:uri="31f5680b-7544-4b69-aa52-3e9823f6332f"/>
+    <ds:schemaRef ds:uri="http://schemas.microsoft.com/sharepoint/v3/contenttype/forms"/>
   </ds:schemaRefs>
 </ds:datastoreItem>
 </file>
@@ -8704,9 +8577,18 @@
 </file>
 
 <file path=customXml/itemProps3.xml><?xml version="1.0" encoding="utf-8"?>
-<ds:datastoreItem xmlns:ds="http://schemas.openxmlformats.org/officeDocument/2006/customXml" ds:itemID="{7E76DF71-DD71-4BE0-B5CE-276C454B1C2B}">
+<ds:datastoreItem xmlns:ds="http://schemas.openxmlformats.org/officeDocument/2006/customXml" ds:itemID="{BF0908AA-09ED-4B3A-B42B-EF25F670C1F6}">
   <ds:schemaRefs>
-    <ds:schemaRef ds:uri="http://schemas.microsoft.com/sharepoint/v3/contenttype/forms"/>
+    <ds:schemaRef ds:uri="http://schemas.openxmlformats.org/package/2006/metadata/core-properties"/>
+    <ds:schemaRef ds:uri="http://schemas.microsoft.com/office/2006/metadata/properties"/>
+    <ds:schemaRef ds:uri="http://purl.org/dc/elements/1.1/"/>
+    <ds:schemaRef ds:uri="http://www.w3.org/XML/1998/namespace"/>
+    <ds:schemaRef ds:uri="0e8540c4-eec0-4244-a6df-93dd1cd5a641"/>
+    <ds:schemaRef ds:uri="http://schemas.microsoft.com/office/2006/documentManagement/types"/>
+    <ds:schemaRef ds:uri="http://purl.org/dc/terms/"/>
+    <ds:schemaRef ds:uri="http://purl.org/dc/dcmitype/"/>
+    <ds:schemaRef ds:uri="http://schemas.microsoft.com/office/infopath/2007/PartnerControls"/>
+    <ds:schemaRef ds:uri="31f5680b-7544-4b69-aa52-3e9823f6332f"/>
   </ds:schemaRefs>
 </ds:datastoreItem>
 </file>